--- a/docs/lectures/PCA-animation.pptx
+++ b/docs/lectures/PCA-animation.pptx
@@ -343,7 +343,7 @@
           <a:p>
             <a:fld id="{2F895662-E2E6-47BC-B493-3EA4FCF734B6}" type="datetime1">
               <a:rPr lang="en-US" smtClean="0"/>
-              <a:t>3/13/2021</a:t>
+              <a:t>3/15/2021</a:t>
             </a:fld>
             <a:endParaRPr lang="en-US"/>
           </a:p>
@@ -511,7 +511,7 @@
           <a:p>
             <a:fld id="{0F4BFD65-5602-4172-B54C-6A65165A1845}" type="datetime1">
               <a:rPr lang="en-US" smtClean="0"/>
-              <a:t>3/13/2021</a:t>
+              <a:t>3/15/2021</a:t>
             </a:fld>
             <a:endParaRPr lang="en-US"/>
           </a:p>
@@ -689,7 +689,7 @@
           <a:p>
             <a:fld id="{6CA290DE-8138-4626-BC3F-DF68A3BD09D8}" type="datetime1">
               <a:rPr lang="en-US" smtClean="0"/>
-              <a:t>3/13/2021</a:t>
+              <a:t>3/15/2021</a:t>
             </a:fld>
             <a:endParaRPr lang="en-US"/>
           </a:p>
@@ -857,7 +857,7 @@
           <a:p>
             <a:fld id="{E1BE8E3F-75DF-45E8-9F6B-4F2E22494A32}" type="datetime1">
               <a:rPr lang="en-US" smtClean="0"/>
-              <a:t>3/13/2021</a:t>
+              <a:t>3/15/2021</a:t>
             </a:fld>
             <a:endParaRPr lang="en-US"/>
           </a:p>
@@ -1102,7 +1102,7 @@
           <a:p>
             <a:fld id="{82F4DA82-3E7C-4CFB-A30B-53D3893EF32E}" type="datetime1">
               <a:rPr lang="en-US" smtClean="0"/>
-              <a:t>3/13/2021</a:t>
+              <a:t>3/15/2021</a:t>
             </a:fld>
             <a:endParaRPr lang="en-US"/>
           </a:p>
@@ -1387,7 +1387,7 @@
           <a:p>
             <a:fld id="{36B3D8AD-4C83-4D73-AEE7-5E801ED5356C}" type="datetime1">
               <a:rPr lang="en-US" smtClean="0"/>
-              <a:t>3/13/2021</a:t>
+              <a:t>3/15/2021</a:t>
             </a:fld>
             <a:endParaRPr lang="en-US"/>
           </a:p>
@@ -1806,7 +1806,7 @@
           <a:p>
             <a:fld id="{7E6893DB-DD64-49D6-A5C2-F6ACE2B1530B}" type="datetime1">
               <a:rPr lang="en-US" smtClean="0"/>
-              <a:t>3/13/2021</a:t>
+              <a:t>3/15/2021</a:t>
             </a:fld>
             <a:endParaRPr lang="en-US"/>
           </a:p>
@@ -1923,7 +1923,7 @@
           <a:p>
             <a:fld id="{FC0A94C3-7A0F-4E28-9A06-985C13FFBB01}" type="datetime1">
               <a:rPr lang="en-US" smtClean="0"/>
-              <a:t>3/13/2021</a:t>
+              <a:t>3/15/2021</a:t>
             </a:fld>
             <a:endParaRPr lang="en-US"/>
           </a:p>
@@ -2018,7 +2018,7 @@
           <a:p>
             <a:fld id="{8587B2D3-0011-41C0-B2C5-6B713844DB1C}" type="datetime1">
               <a:rPr lang="en-US" smtClean="0"/>
-              <a:t>3/13/2021</a:t>
+              <a:t>3/15/2021</a:t>
             </a:fld>
             <a:endParaRPr lang="en-US"/>
           </a:p>
@@ -2293,7 +2293,7 @@
           <a:p>
             <a:fld id="{B53EE19A-9EFD-417C-93CE-FC2F485F3533}" type="datetime1">
               <a:rPr lang="en-US" smtClean="0"/>
-              <a:t>3/13/2021</a:t>
+              <a:t>3/15/2021</a:t>
             </a:fld>
             <a:endParaRPr lang="en-US"/>
           </a:p>
@@ -2548,7 +2548,7 @@
           <a:p>
             <a:fld id="{87D9954C-8CD1-4968-8DFE-C7948C62F830}" type="datetime1">
               <a:rPr lang="en-US" smtClean="0"/>
-              <a:t>3/13/2021</a:t>
+              <a:t>3/15/2021</a:t>
             </a:fld>
             <a:endParaRPr lang="en-US"/>
           </a:p>
@@ -2764,7 +2764,7 @@
           <a:p>
             <a:fld id="{B4BF092D-FE75-4F27-B0C3-A897761F708C}" type="datetime1">
               <a:rPr lang="en-US" smtClean="0"/>
-              <a:t>3/13/2021</a:t>
+              <a:t>3/15/2021</a:t>
             </a:fld>
             <a:endParaRPr lang="en-US"/>
           </a:p>
@@ -4188,12 +4188,162 @@
           </a:p>
         </p:txBody>
       </p:sp>
+      <p:sp>
+        <p:nvSpPr>
+          <p:cNvPr id="7" name="TextBox 6">
+            <a:extLst>
+              <a:ext uri="{FF2B5EF4-FFF2-40B4-BE49-F238E27FC236}">
+                <a16:creationId xmlns:a16="http://schemas.microsoft.com/office/drawing/2014/main" id="{E95DA970-1FD8-4E45-B4FA-654A5A214C50}"/>
+              </a:ext>
+            </a:extLst>
+          </p:cNvPr>
+          <p:cNvSpPr txBox="1"/>
+          <p:nvPr/>
+        </p:nvSpPr>
+        <p:spPr>
+          <a:xfrm>
+            <a:off x="304800" y="1143000"/>
+            <a:ext cx="7620000" cy="1015663"/>
+          </a:xfrm>
+          <a:prstGeom prst="rect">
+            <a:avLst/>
+          </a:prstGeom>
+          <a:noFill/>
+        </p:spPr>
+        <p:txBody>
+          <a:bodyPr wrap="square" rtlCol="0">
+            <a:spAutoFit/>
+          </a:bodyPr>
+          <a:lstStyle/>
+          <a:p>
+            <a:r>
+              <a:rPr lang="en-US" sz="2400" dirty="0"/>
+              <a:t>PCA:</a:t>
+            </a:r>
+          </a:p>
+          <a:p>
+            <a:pPr marL="285750" indent="-285750">
+              <a:buFont typeface="Arial" panose="020B0604020202020204" pitchFamily="34" charset="0"/>
+              <a:buChar char="•"/>
+            </a:pPr>
+            <a:r>
+              <a:rPr lang="en-US" dirty="0"/>
+              <a:t>PC1 is the direction along which points have max. variance</a:t>
+            </a:r>
+          </a:p>
+          <a:p>
+            <a:pPr marL="285750" indent="-285750">
+              <a:buFont typeface="Arial" panose="020B0604020202020204" pitchFamily="34" charset="0"/>
+              <a:buChar char="•"/>
+            </a:pPr>
+            <a:r>
+              <a:rPr lang="en-US" dirty="0"/>
+              <a:t>Equivalently, the perp. deviations from the line have min. residual SS</a:t>
+            </a:r>
+          </a:p>
+        </p:txBody>
+      </p:sp>
+      <p:sp>
+        <p:nvSpPr>
+          <p:cNvPr id="8" name="TextBox 7">
+            <a:extLst>
+              <a:ext uri="{FF2B5EF4-FFF2-40B4-BE49-F238E27FC236}">
+                <a16:creationId xmlns:a16="http://schemas.microsoft.com/office/drawing/2014/main" id="{65512009-E164-4984-B302-A408A1C75D38}"/>
+              </a:ext>
+            </a:extLst>
+          </p:cNvPr>
+          <p:cNvSpPr txBox="1"/>
+          <p:nvPr/>
+        </p:nvSpPr>
+        <p:spPr>
+          <a:xfrm>
+            <a:off x="304800" y="2438400"/>
+            <a:ext cx="3124200" cy="3508653"/>
+          </a:xfrm>
+          <a:prstGeom prst="rect">
+            <a:avLst/>
+          </a:prstGeom>
+          <a:noFill/>
+        </p:spPr>
+        <p:txBody>
+          <a:bodyPr wrap="square" rtlCol="0">
+            <a:spAutoFit/>
+          </a:bodyPr>
+          <a:lstStyle/>
+          <a:p>
+            <a:r>
+              <a:rPr lang="en-US" sz="2400" dirty="0"/>
+              <a:t>PCA by springs</a:t>
+            </a:r>
+          </a:p>
+          <a:p>
+            <a:pPr marL="285750" indent="-285750">
+              <a:buFont typeface="Arial" panose="020B0604020202020204" pitchFamily="34" charset="0"/>
+              <a:buChar char="•"/>
+            </a:pPr>
+            <a:r>
+              <a:rPr lang="en-US" dirty="0"/>
+              <a:t>Imagine each </a:t>
+            </a:r>
+            <a:r>
+              <a:rPr lang="en-US" dirty="0" err="1"/>
+              <a:t>pt</a:t>
+            </a:r>
+            <a:r>
+              <a:rPr lang="en-US" dirty="0"/>
+              <a:t> connected to a possible PC1 line by springs</a:t>
+            </a:r>
+          </a:p>
+          <a:p>
+            <a:pPr marL="285750" indent="-285750">
+              <a:buFont typeface="Arial" panose="020B0604020202020204" pitchFamily="34" charset="0"/>
+              <a:buChar char="•"/>
+            </a:pPr>
+            <a:r>
+              <a:rPr lang="en-US" dirty="0"/>
+              <a:t>Force ~ deviation</a:t>
+            </a:r>
+            <a:r>
+              <a:rPr lang="en-US" baseline="30000" dirty="0"/>
+              <a:t>2</a:t>
+            </a:r>
+          </a:p>
+          <a:p>
+            <a:endParaRPr lang="en-US" dirty="0"/>
+          </a:p>
+          <a:p>
+            <a:r>
+              <a:rPr lang="en-US" dirty="0"/>
+              <a:t>Forces balance, naturally seek the min. residual SS position.</a:t>
+            </a:r>
+          </a:p>
+          <a:p>
+            <a:endParaRPr lang="en-US" dirty="0"/>
+          </a:p>
+          <a:p>
+            <a:r>
+              <a:rPr lang="en-US" dirty="0"/>
+              <a:t>Voila, QED!</a:t>
+            </a:r>
+          </a:p>
+          <a:p>
+            <a:pPr marL="285750" indent="-285750">
+              <a:buFont typeface="Arial" panose="020B0604020202020204" pitchFamily="34" charset="0"/>
+              <a:buChar char="•"/>
+            </a:pPr>
+            <a:r>
+              <a:rPr lang="en-US" dirty="0"/>
+              <a:t>A visual proof</a:t>
+            </a:r>
+          </a:p>
+        </p:txBody>
+      </p:sp>
       <p:pic>
         <p:nvPicPr>
-          <p:cNvPr id="6" name="Picture 5" descr="Chart&#10;&#10;Description automatically generated">
+          <p:cNvPr id="4" name="Picture 3" descr="Chart, scatter chart&#10;&#10;Description automatically generated">
             <a:extLst>
               <a:ext uri="{FF2B5EF4-FFF2-40B4-BE49-F238E27FC236}">
-                <a16:creationId xmlns:a16="http://schemas.microsoft.com/office/drawing/2014/main" id="{CACFBF91-BD77-48D5-B763-F8610B6433A5}"/>
+                <a16:creationId xmlns:a16="http://schemas.microsoft.com/office/drawing/2014/main" id="{FD1715E8-C30E-4100-A80A-BB4C49CCC6F9}"/>
               </a:ext>
             </a:extLst>
           </p:cNvPr>
@@ -4216,164 +4366,14 @@
         </p:blipFill>
         <p:spPr>
           <a:xfrm>
-            <a:off x="3556571" y="2316162"/>
-            <a:ext cx="5339830" cy="4267200"/>
+            <a:off x="3881061" y="2438400"/>
+            <a:ext cx="4833358" cy="4270248"/>
           </a:xfrm>
           <a:prstGeom prst="rect">
             <a:avLst/>
           </a:prstGeom>
         </p:spPr>
       </p:pic>
-      <p:sp>
-        <p:nvSpPr>
-          <p:cNvPr id="7" name="TextBox 6">
-            <a:extLst>
-              <a:ext uri="{FF2B5EF4-FFF2-40B4-BE49-F238E27FC236}">
-                <a16:creationId xmlns:a16="http://schemas.microsoft.com/office/drawing/2014/main" id="{E95DA970-1FD8-4E45-B4FA-654A5A214C50}"/>
-              </a:ext>
-            </a:extLst>
-          </p:cNvPr>
-          <p:cNvSpPr txBox="1"/>
-          <p:nvPr/>
-        </p:nvSpPr>
-        <p:spPr>
-          <a:xfrm>
-            <a:off x="304800" y="1143000"/>
-            <a:ext cx="7620000" cy="1015663"/>
-          </a:xfrm>
-          <a:prstGeom prst="rect">
-            <a:avLst/>
-          </a:prstGeom>
-          <a:noFill/>
-        </p:spPr>
-        <p:txBody>
-          <a:bodyPr wrap="square" rtlCol="0">
-            <a:spAutoFit/>
-          </a:bodyPr>
-          <a:lstStyle/>
-          <a:p>
-            <a:r>
-              <a:rPr lang="en-US" sz="2400" dirty="0"/>
-              <a:t>PCA:</a:t>
-            </a:r>
-          </a:p>
-          <a:p>
-            <a:pPr marL="285750" indent="-285750">
-              <a:buFont typeface="Arial" panose="020B0604020202020204" pitchFamily="34" charset="0"/>
-              <a:buChar char="•"/>
-            </a:pPr>
-            <a:r>
-              <a:rPr lang="en-US" dirty="0"/>
-              <a:t>PC1 is the direction along which points have max. variance</a:t>
-            </a:r>
-          </a:p>
-          <a:p>
-            <a:pPr marL="285750" indent="-285750">
-              <a:buFont typeface="Arial" panose="020B0604020202020204" pitchFamily="34" charset="0"/>
-              <a:buChar char="•"/>
-            </a:pPr>
-            <a:r>
-              <a:rPr lang="en-US" dirty="0"/>
-              <a:t>Equivalently, the perp. deviations from the line have min. residual SS</a:t>
-            </a:r>
-          </a:p>
-        </p:txBody>
-      </p:sp>
-      <p:sp>
-        <p:nvSpPr>
-          <p:cNvPr id="8" name="TextBox 7">
-            <a:extLst>
-              <a:ext uri="{FF2B5EF4-FFF2-40B4-BE49-F238E27FC236}">
-                <a16:creationId xmlns:a16="http://schemas.microsoft.com/office/drawing/2014/main" id="{65512009-E164-4984-B302-A408A1C75D38}"/>
-              </a:ext>
-            </a:extLst>
-          </p:cNvPr>
-          <p:cNvSpPr txBox="1"/>
-          <p:nvPr/>
-        </p:nvSpPr>
-        <p:spPr>
-          <a:xfrm>
-            <a:off x="304800" y="2438400"/>
-            <a:ext cx="3124200" cy="3508653"/>
-          </a:xfrm>
-          <a:prstGeom prst="rect">
-            <a:avLst/>
-          </a:prstGeom>
-          <a:noFill/>
-        </p:spPr>
-        <p:txBody>
-          <a:bodyPr wrap="square" rtlCol="0">
-            <a:spAutoFit/>
-          </a:bodyPr>
-          <a:lstStyle/>
-          <a:p>
-            <a:r>
-              <a:rPr lang="en-US" sz="2400" dirty="0"/>
-              <a:t>PCA by springs</a:t>
-            </a:r>
-          </a:p>
-          <a:p>
-            <a:pPr marL="285750" indent="-285750">
-              <a:buFont typeface="Arial" panose="020B0604020202020204" pitchFamily="34" charset="0"/>
-              <a:buChar char="•"/>
-            </a:pPr>
-            <a:r>
-              <a:rPr lang="en-US" dirty="0"/>
-              <a:t>Imagine each </a:t>
-            </a:r>
-            <a:r>
-              <a:rPr lang="en-US" dirty="0" err="1"/>
-              <a:t>pt</a:t>
-            </a:r>
-            <a:r>
-              <a:rPr lang="en-US" dirty="0"/>
-              <a:t> connected to a possible PC1 line by springs</a:t>
-            </a:r>
-          </a:p>
-          <a:p>
-            <a:pPr marL="285750" indent="-285750">
-              <a:buFont typeface="Arial" panose="020B0604020202020204" pitchFamily="34" charset="0"/>
-              <a:buChar char="•"/>
-            </a:pPr>
-            <a:r>
-              <a:rPr lang="en-US" dirty="0"/>
-              <a:t>Force ~ deviation</a:t>
-            </a:r>
-            <a:r>
-              <a:rPr lang="en-US" baseline="30000" dirty="0"/>
-              <a:t>2</a:t>
-            </a:r>
-          </a:p>
-          <a:p>
-            <a:endParaRPr lang="en-US" dirty="0"/>
-          </a:p>
-          <a:p>
-            <a:r>
-              <a:rPr lang="en-US" dirty="0"/>
-              <a:t>Forces balance, naturally seek the min. residual SS position.</a:t>
-            </a:r>
-          </a:p>
-          <a:p>
-            <a:endParaRPr lang="en-US" dirty="0"/>
-          </a:p>
-          <a:p>
-            <a:r>
-              <a:rPr lang="en-US" dirty="0"/>
-              <a:t>Voila, QED!</a:t>
-            </a:r>
-          </a:p>
-          <a:p>
-            <a:pPr marL="285750" indent="-285750">
-              <a:buFont typeface="Arial" panose="020B0604020202020204" pitchFamily="34" charset="0"/>
-              <a:buChar char="•"/>
-            </a:pPr>
-            <a:r>
-              <a:rPr lang="en-US" dirty="0"/>
-              <a:t>A visual proof</a:t>
-            </a:r>
-          </a:p>
-        </p:txBody>
-      </p:sp>
     </p:spTree>
     <p:extLst>
       <p:ext uri="{BB962C8B-B14F-4D97-AF65-F5344CB8AC3E}">
@@ -4461,7 +4461,7 @@
         </p:blipFill>
         <p:spPr bwMode="auto">
           <a:xfrm>
-            <a:off x="1066800" y="914400"/>
+            <a:off x="1066800" y="986318"/>
             <a:ext cx="7569200" cy="4752975"/>
           </a:xfrm>
           <a:prstGeom prst="rect">
@@ -4675,7 +4675,7 @@
         </p:blipFill>
         <p:spPr bwMode="auto">
           <a:xfrm>
-            <a:off x="1066800" y="914400"/>
+            <a:off x="1066800" y="986318"/>
             <a:ext cx="7569200" cy="4752975"/>
           </a:xfrm>
           <a:prstGeom prst="rect">
@@ -4882,7 +4882,7 @@
         </p:blipFill>
         <p:spPr bwMode="auto">
           <a:xfrm>
-            <a:off x="1066800" y="914400"/>
+            <a:off x="1066800" y="986318"/>
             <a:ext cx="7569200" cy="4752975"/>
           </a:xfrm>
           <a:prstGeom prst="rect">
